--- a/5122 Final Project Presentation.pptx
+++ b/5122 Final Project Presentation.pptx
@@ -800,7 +800,7 @@
   <p:cSld>
     <p:spTree>
       <p:nvGrpSpPr>
-        <p:cNvPr id="111" name="Shape 111"/>
+        <p:cNvPr id="113" name="Shape 113"/>
         <p:cNvGrpSpPr/>
         <p:nvPr/>
       </p:nvGrpSpPr>
@@ -814,7 +814,7 @@
       </p:grpSpPr>
       <p:sp>
         <p:nvSpPr>
-          <p:cNvPr id="112" name="Google Shape;112;ge47d4045e4_0_56:notes"/>
+          <p:cNvPr id="114" name="Google Shape;114;ge47d4045e4_0_56:notes"/>
           <p:cNvSpPr/>
           <p:nvPr>
             <p:ph idx="2" type="sldImg"/>
@@ -849,7 +849,7 @@
       </p:sp>
       <p:sp>
         <p:nvSpPr>
-          <p:cNvPr id="113" name="Google Shape;113;ge47d4045e4_0_56:notes"/>
+          <p:cNvPr id="115" name="Google Shape;115;ge47d4045e4_0_56:notes"/>
           <p:cNvSpPr txBox="1"/>
           <p:nvPr>
             <p:ph idx="1" type="body"/>
@@ -899,7 +899,7 @@
   <p:cSld>
     <p:spTree>
       <p:nvGrpSpPr>
-        <p:cNvPr id="117" name="Shape 117"/>
+        <p:cNvPr id="119" name="Shape 119"/>
         <p:cNvGrpSpPr/>
         <p:nvPr/>
       </p:nvGrpSpPr>
@@ -913,7 +913,7 @@
       </p:grpSpPr>
       <p:sp>
         <p:nvSpPr>
-          <p:cNvPr id="118" name="Google Shape;118;gc6f90357f_0_31:notes"/>
+          <p:cNvPr id="120" name="Google Shape;120;gc6f90357f_0_31:notes"/>
           <p:cNvSpPr/>
           <p:nvPr>
             <p:ph idx="2" type="sldImg"/>
@@ -948,7 +948,7 @@
       </p:sp>
       <p:sp>
         <p:nvSpPr>
-          <p:cNvPr id="119" name="Google Shape;119;gc6f90357f_0_31:notes"/>
+          <p:cNvPr id="121" name="Google Shape;121;gc6f90357f_0_31:notes"/>
           <p:cNvSpPr txBox="1"/>
           <p:nvPr>
             <p:ph idx="1" type="body"/>
@@ -1691,7 +1691,7 @@
   <p:cSld>
     <p:spTree>
       <p:nvGrpSpPr>
-        <p:cNvPr id="105" name="Shape 105"/>
+        <p:cNvPr id="107" name="Shape 107"/>
         <p:cNvGrpSpPr/>
         <p:nvPr/>
       </p:nvGrpSpPr>
@@ -1705,7 +1705,7 @@
       </p:grpSpPr>
       <p:sp>
         <p:nvSpPr>
-          <p:cNvPr id="106" name="Google Shape;106;ge47d4045e4_0_20:notes"/>
+          <p:cNvPr id="108" name="Google Shape;108;ge47d4045e4_0_20:notes"/>
           <p:cNvSpPr/>
           <p:nvPr>
             <p:ph idx="2" type="sldImg"/>
@@ -1740,7 +1740,7 @@
       </p:sp>
       <p:sp>
         <p:nvSpPr>
-          <p:cNvPr id="107" name="Google Shape;107;ge47d4045e4_0_20:notes"/>
+          <p:cNvPr id="109" name="Google Shape;109;ge47d4045e4_0_20:notes"/>
           <p:cNvSpPr txBox="1"/>
           <p:nvPr>
             <p:ph idx="1" type="body"/>
@@ -7493,7 +7493,7 @@
   <p:cSld>
     <p:spTree>
       <p:nvGrpSpPr>
-        <p:cNvPr id="114" name="Shape 114"/>
+        <p:cNvPr id="116" name="Shape 116"/>
         <p:cNvGrpSpPr/>
         <p:nvPr/>
       </p:nvGrpSpPr>
@@ -7507,7 +7507,7 @@
       </p:grpSpPr>
       <p:sp>
         <p:nvSpPr>
-          <p:cNvPr id="115" name="Google Shape;115;p22"/>
+          <p:cNvPr id="117" name="Google Shape;117;p22"/>
           <p:cNvSpPr txBox="1"/>
           <p:nvPr>
             <p:ph type="title"/>
@@ -7547,7 +7547,7 @@
       </p:sp>
       <p:sp>
         <p:nvSpPr>
-          <p:cNvPr id="116" name="Google Shape;116;p22"/>
+          <p:cNvPr id="118" name="Google Shape;118;p22"/>
           <p:cNvSpPr txBox="1"/>
           <p:nvPr>
             <p:ph idx="1" type="body"/>
@@ -7753,7 +7753,7 @@
   <p:cSld>
     <p:spTree>
       <p:nvGrpSpPr>
-        <p:cNvPr id="120" name="Shape 120"/>
+        <p:cNvPr id="122" name="Shape 122"/>
         <p:cNvGrpSpPr/>
         <p:nvPr/>
       </p:nvGrpSpPr>
@@ -7767,7 +7767,7 @@
       </p:grpSpPr>
       <p:sp>
         <p:nvSpPr>
-          <p:cNvPr id="121" name="Google Shape;121;p23"/>
+          <p:cNvPr id="123" name="Google Shape;123;p23"/>
           <p:cNvSpPr txBox="1"/>
           <p:nvPr>
             <p:ph type="title"/>
@@ -9383,7 +9383,7 @@
         </p:nvSpPr>
         <p:spPr>
           <a:xfrm>
-            <a:off x="2331150" y="2151075"/>
+            <a:off x="2060825" y="1333263"/>
             <a:ext cx="4481700" cy="435900"/>
           </a:xfrm>
           <a:prstGeom prst="rect">
@@ -9406,21 +9406,22 @@
               <a:buNone/>
             </a:pPr>
             <a:r>
-              <a:rPr lang="en" sz="1400" u="sng">
-                <a:solidFill>
-                  <a:schemeClr val="dk2"/>
-                </a:solidFill>
-                <a:hlinkClick r:id="rId3">
-                  <a:extLst>
-                    <a:ext uri="{A12FA001-AC4F-418D-AE19-62706E023703}">
-                      <ahyp:hlinkClr val="tx"/>
-                    </a:ext>
-                  </a:extLst>
-                </a:hlinkClick>
+              <a:rPr lang="en" u="sng">
+                <a:solidFill>
+                  <a:schemeClr val="hlink"/>
+                </a:solidFill>
+                <a:highlight>
+                  <a:srgbClr val="FFFFFF"/>
+                </a:highlight>
+                <a:latin typeface="Arial"/>
+                <a:ea typeface="Arial"/>
+                <a:cs typeface="Arial"/>
+                <a:sym typeface="Arial"/>
+                <a:hlinkClick r:id="rId3"/>
               </a:rPr>
-              <a:t>https://marolu21.shinyapps.io/GreatLakes_Stocked/</a:t>
-            </a:r>
-            <a:endParaRPr sz="1400">
+              <a:t>https://ustcsteve.shinyapps.io/Great-Lakes-Fish-Stock/</a:t>
+            </a:r>
+            <a:endParaRPr sz="1400" u="sng">
               <a:solidFill>
                 <a:schemeClr val="dk2"/>
               </a:solidFill>
@@ -9451,7 +9452,7 @@
         </p:nvSpPr>
         <p:spPr>
           <a:xfrm>
-            <a:off x="3586775" y="2571750"/>
+            <a:off x="3044300" y="1769163"/>
             <a:ext cx="1785000" cy="369300"/>
           </a:xfrm>
           <a:prstGeom prst="rect">
@@ -9495,6 +9496,114 @@
           </a:p>
         </p:txBody>
       </p:sp>
+      <p:sp>
+        <p:nvSpPr>
+          <p:cNvPr id="105" name="Google Shape;105;p20"/>
+          <p:cNvSpPr txBox="1"/>
+          <p:nvPr/>
+        </p:nvSpPr>
+        <p:spPr>
+          <a:xfrm>
+            <a:off x="2060825" y="2763138"/>
+            <a:ext cx="5774700" cy="400200"/>
+          </a:xfrm>
+          <a:prstGeom prst="rect">
+            <a:avLst/>
+          </a:prstGeom>
+          <a:noFill/>
+          <a:ln>
+            <a:noFill/>
+          </a:ln>
+        </p:spPr>
+        <p:txBody>
+          <a:bodyPr anchorCtr="0" anchor="t" bIns="91425" lIns="91425" spcFirstLastPara="1" rIns="91425" wrap="square" tIns="91425">
+            <a:spAutoFit/>
+          </a:bodyPr>
+          <a:lstStyle/>
+          <a:p>
+            <a:pPr indent="0" lvl="0" marL="0" rtl="0" algn="l">
+              <a:spcBef>
+                <a:spcPts val="0"/>
+              </a:spcBef>
+              <a:spcAft>
+                <a:spcPts val="0"/>
+              </a:spcAft>
+              <a:buNone/>
+            </a:pPr>
+            <a:r>
+              <a:rPr lang="en" u="sng">
+                <a:solidFill>
+                  <a:schemeClr val="hlink"/>
+                </a:solidFill>
+                <a:latin typeface="Old Standard TT"/>
+                <a:ea typeface="Old Standard TT"/>
+                <a:cs typeface="Old Standard TT"/>
+                <a:sym typeface="Old Standard TT"/>
+                <a:hlinkClick r:id="rId4"/>
+              </a:rPr>
+              <a:t>https://github.com/ustcsteve/R-Shiny-Dashboard</a:t>
+            </a:r>
+            <a:endParaRPr>
+              <a:latin typeface="Old Standard TT"/>
+              <a:ea typeface="Old Standard TT"/>
+              <a:cs typeface="Old Standard TT"/>
+              <a:sym typeface="Old Standard TT"/>
+            </a:endParaRPr>
+          </a:p>
+        </p:txBody>
+      </p:sp>
+      <p:sp>
+        <p:nvSpPr>
+          <p:cNvPr id="106" name="Google Shape;106;p20"/>
+          <p:cNvSpPr txBox="1"/>
+          <p:nvPr/>
+        </p:nvSpPr>
+        <p:spPr>
+          <a:xfrm>
+            <a:off x="3016350" y="3399988"/>
+            <a:ext cx="3060900" cy="400200"/>
+          </a:xfrm>
+          <a:prstGeom prst="rect">
+            <a:avLst/>
+          </a:prstGeom>
+          <a:noFill/>
+          <a:ln>
+            <a:noFill/>
+          </a:ln>
+        </p:spPr>
+        <p:txBody>
+          <a:bodyPr anchorCtr="0" anchor="t" bIns="91425" lIns="91425" spcFirstLastPara="1" rIns="91425" wrap="square" tIns="91425">
+            <a:spAutoFit/>
+          </a:bodyPr>
+          <a:lstStyle/>
+          <a:p>
+            <a:pPr indent="0" lvl="0" marL="0" rtl="0" algn="l">
+              <a:spcBef>
+                <a:spcPts val="0"/>
+              </a:spcBef>
+              <a:spcAft>
+                <a:spcPts val="0"/>
+              </a:spcAft>
+              <a:buNone/>
+            </a:pPr>
+            <a:r>
+              <a:rPr lang="en">
+                <a:latin typeface="Old Standard TT"/>
+                <a:ea typeface="Old Standard TT"/>
+                <a:cs typeface="Old Standard TT"/>
+                <a:sym typeface="Old Standard TT"/>
+              </a:rPr>
+              <a:t>(github repository)</a:t>
+            </a:r>
+            <a:endParaRPr>
+              <a:latin typeface="Old Standard TT"/>
+              <a:ea typeface="Old Standard TT"/>
+              <a:cs typeface="Old Standard TT"/>
+              <a:sym typeface="Old Standard TT"/>
+            </a:endParaRPr>
+          </a:p>
+        </p:txBody>
+      </p:sp>
     </p:spTree>
   </p:cSld>
   <p:clrMapOvr>
@@ -9508,7 +9617,7 @@
   <p:cSld>
     <p:spTree>
       <p:nvGrpSpPr>
-        <p:cNvPr id="108" name="Shape 108"/>
+        <p:cNvPr id="110" name="Shape 110"/>
         <p:cNvGrpSpPr/>
         <p:nvPr/>
       </p:nvGrpSpPr>
@@ -9522,7 +9631,7 @@
       </p:grpSpPr>
       <p:sp>
         <p:nvSpPr>
-          <p:cNvPr id="109" name="Google Shape;109;p21"/>
+          <p:cNvPr id="111" name="Google Shape;111;p21"/>
           <p:cNvSpPr txBox="1"/>
           <p:nvPr>
             <p:ph type="title"/>
@@ -9562,7 +9671,7 @@
       </p:sp>
       <p:sp>
         <p:nvSpPr>
-          <p:cNvPr id="110" name="Google Shape;110;p21"/>
+          <p:cNvPr id="112" name="Google Shape;112;p21"/>
           <p:cNvSpPr txBox="1"/>
           <p:nvPr>
             <p:ph idx="1" type="body"/>
@@ -9802,6 +9911,285 @@
 </file>
 
 <file path=ppt/theme/theme1.xml><?xml version="1.0" encoding="utf-8"?>
+<a:theme xmlns:a="http://schemas.openxmlformats.org/drawingml/2006/main" xmlns:r="http://schemas.openxmlformats.org/officeDocument/2006/relationships">
+  <a:themeElements>
+    <a:clrScheme name="Default">
+      <a:dk1>
+        <a:srgbClr val="000000"/>
+      </a:dk1>
+      <a:lt1>
+        <a:srgbClr val="FFFFFF"/>
+      </a:lt1>
+      <a:dk2>
+        <a:srgbClr val="158158"/>
+      </a:dk2>
+      <a:lt2>
+        <a:srgbClr val="F3F3F3"/>
+      </a:lt2>
+      <a:accent1>
+        <a:srgbClr val="058DC7"/>
+      </a:accent1>
+      <a:accent2>
+        <a:srgbClr val="50B432"/>
+      </a:accent2>
+      <a:accent3>
+        <a:srgbClr val="ED561B"/>
+      </a:accent3>
+      <a:accent4>
+        <a:srgbClr val="EDEF00"/>
+      </a:accent4>
+      <a:accent5>
+        <a:srgbClr val="24CBE5"/>
+      </a:accent5>
+      <a:accent6>
+        <a:srgbClr val="64E572"/>
+      </a:accent6>
+      <a:hlink>
+        <a:srgbClr val="2200CC"/>
+      </a:hlink>
+      <a:folHlink>
+        <a:srgbClr val="551A8B"/>
+      </a:folHlink>
+    </a:clrScheme>
+    <a:fontScheme name="Office">
+      <a:majorFont>
+        <a:latin typeface="Arial"/>
+        <a:ea typeface=""/>
+        <a:cs typeface=""/>
+        <a:font script="Jpan" typeface="ＭＳ Ｐゴシック"/>
+        <a:font script="Hang" typeface="맑은 고딕"/>
+        <a:font script="Hans" typeface="宋体"/>
+        <a:font script="Hant" typeface="新細明體"/>
+        <a:font script="Arab" typeface="Times New Roman"/>
+        <a:font script="Hebr" typeface="Times New Roman"/>
+        <a:font script="Thai" typeface="Angsana New"/>
+        <a:font script="Ethi" typeface="Nyala"/>
+        <a:font script="Beng" typeface="Vrinda"/>
+        <a:font script="Gujr" typeface="Shruti"/>
+        <a:font script="Khmr" typeface="MoolBoran"/>
+        <a:font script="Knda" typeface="Tunga"/>
+        <a:font script="Guru" typeface="Raavi"/>
+        <a:font script="Cans" typeface="Euphemia"/>
+        <a:font script="Cher" typeface="Plantagenet Cherokee"/>
+        <a:font script="Yiii" typeface="Microsoft Yi Baiti"/>
+        <a:font script="Tibt" typeface="Microsoft Himalaya"/>
+        <a:font script="Thaa" typeface="MV Boli"/>
+        <a:font script="Deva" typeface="Mangal"/>
+        <a:font script="Telu" typeface="Gautami"/>
+        <a:font script="Taml" typeface="Latha"/>
+        <a:font script="Syrc" typeface="Estrangelo Edessa"/>
+        <a:font script="Orya" typeface="Kalinga"/>
+        <a:font script="Mlym" typeface="Kartika"/>
+        <a:font script="Laoo" typeface="DokChampa"/>
+        <a:font script="Sinh" typeface="Iskoola Pota"/>
+        <a:font script="Mong" typeface="Mongolian Baiti"/>
+        <a:font script="Viet" typeface="Times New Roman"/>
+        <a:font script="Uigh" typeface="Microsoft Uighur"/>
+        <a:font script="Geor" typeface="Sylfaen"/>
+      </a:majorFont>
+      <a:minorFont>
+        <a:latin typeface="Arial"/>
+        <a:ea typeface=""/>
+        <a:cs typeface=""/>
+        <a:font script="Jpan" typeface="ＭＳ Ｐゴシック"/>
+        <a:font script="Hang" typeface="맑은 고딕"/>
+        <a:font script="Hans" typeface="宋体"/>
+        <a:font script="Hant" typeface="新細明體"/>
+        <a:font script="Arab" typeface="Arial"/>
+        <a:font script="Hebr" typeface="Arial"/>
+        <a:font script="Thai" typeface="Cordia New"/>
+        <a:font script="Ethi" typeface="Nyala"/>
+        <a:font script="Beng" typeface="Vrinda"/>
+        <a:font script="Gujr" typeface="Shruti"/>
+        <a:font script="Khmr" typeface="DaunPenh"/>
+        <a:font script="Knda" typeface="Tunga"/>
+        <a:font script="Guru" typeface="Raavi"/>
+        <a:font script="Cans" typeface="Euphemia"/>
+        <a:font script="Cher" typeface="Plantagenet Cherokee"/>
+        <a:font script="Yiii" typeface="Microsoft Yi Baiti"/>
+        <a:font script="Tibt" typeface="Microsoft Himalaya"/>
+        <a:font script="Thaa" typeface="MV Boli"/>
+        <a:font script="Deva" typeface="Mangal"/>
+        <a:font script="Telu" typeface="Gautami"/>
+        <a:font script="Taml" typeface="Latha"/>
+        <a:font script="Syrc" typeface="Estrangelo Edessa"/>
+        <a:font script="Orya" typeface="Kalinga"/>
+        <a:font script="Mlym" typeface="Kartika"/>
+        <a:font script="Laoo" typeface="DokChampa"/>
+        <a:font script="Sinh" typeface="Iskoola Pota"/>
+        <a:font script="Mong" typeface="Mongolian Baiti"/>
+        <a:font script="Viet" typeface="Arial"/>
+        <a:font script="Uigh" typeface="Microsoft Uighur"/>
+        <a:font script="Geor" typeface="Sylfaen"/>
+      </a:minorFont>
+    </a:fontScheme>
+    <a:fmtScheme name="Office">
+      <a:fillStyleLst>
+        <a:solidFill>
+          <a:schemeClr val="phClr"/>
+        </a:solidFill>
+        <a:gradFill rotWithShape="1">
+          <a:gsLst>
+            <a:gs pos="0">
+              <a:schemeClr val="phClr">
+                <a:tint val="50000"/>
+                <a:satMod val="300000"/>
+              </a:schemeClr>
+            </a:gs>
+            <a:gs pos="35000">
+              <a:schemeClr val="phClr">
+                <a:tint val="37000"/>
+                <a:satMod val="300000"/>
+              </a:schemeClr>
+            </a:gs>
+            <a:gs pos="100000">
+              <a:schemeClr val="phClr">
+                <a:tint val="15000"/>
+                <a:satMod val="350000"/>
+              </a:schemeClr>
+            </a:gs>
+          </a:gsLst>
+          <a:lin ang="16200000" scaled="1"/>
+        </a:gradFill>
+        <a:gradFill rotWithShape="1">
+          <a:gsLst>
+            <a:gs pos="0">
+              <a:schemeClr val="phClr">
+                <a:tint val="100000"/>
+                <a:shade val="100000"/>
+                <a:satMod val="130000"/>
+              </a:schemeClr>
+            </a:gs>
+            <a:gs pos="100000">
+              <a:schemeClr val="phClr">
+                <a:tint val="50000"/>
+                <a:shade val="100000"/>
+                <a:satMod val="350000"/>
+              </a:schemeClr>
+            </a:gs>
+          </a:gsLst>
+          <a:lin ang="16200000" scaled="0"/>
+        </a:gradFill>
+      </a:fillStyleLst>
+      <a:lnStyleLst>
+        <a:ln w="9525" cap="flat" cmpd="sng" algn="ctr">
+          <a:solidFill>
+            <a:schemeClr val="phClr">
+              <a:shade val="95000"/>
+              <a:satMod val="105000"/>
+            </a:schemeClr>
+          </a:solidFill>
+          <a:prstDash val="solid"/>
+        </a:ln>
+        <a:ln w="25400" cap="flat" cmpd="sng" algn="ctr">
+          <a:solidFill>
+            <a:schemeClr val="phClr"/>
+          </a:solidFill>
+          <a:prstDash val="solid"/>
+        </a:ln>
+        <a:ln w="38100" cap="flat" cmpd="sng" algn="ctr">
+          <a:solidFill>
+            <a:schemeClr val="phClr"/>
+          </a:solidFill>
+          <a:prstDash val="solid"/>
+        </a:ln>
+      </a:lnStyleLst>
+      <a:effectStyleLst>
+        <a:effectStyle>
+          <a:effectLst>
+            <a:outerShdw blurRad="40000" dist="20000" dir="5400000" rotWithShape="0">
+              <a:srgbClr val="000000">
+                <a:alpha val="38000"/>
+              </a:srgbClr>
+            </a:outerShdw>
+          </a:effectLst>
+        </a:effectStyle>
+        <a:effectStyle>
+          <a:effectLst>
+            <a:outerShdw blurRad="40000" dist="23000" dir="5400000" rotWithShape="0">
+              <a:srgbClr val="000000">
+                <a:alpha val="35000"/>
+              </a:srgbClr>
+            </a:outerShdw>
+          </a:effectLst>
+        </a:effectStyle>
+        <a:effectStyle>
+          <a:effectLst>
+            <a:outerShdw blurRad="40000" dist="23000" dir="5400000" rotWithShape="0">
+              <a:srgbClr val="000000">
+                <a:alpha val="35000"/>
+              </a:srgbClr>
+            </a:outerShdw>
+          </a:effectLst>
+          <a:scene3d>
+            <a:camera prst="orthographicFront">
+              <a:rot lat="0" lon="0" rev="0"/>
+            </a:camera>
+            <a:lightRig rig="threePt" dir="t">
+              <a:rot lat="0" lon="0" rev="1200000"/>
+            </a:lightRig>
+          </a:scene3d>
+          <a:sp3d>
+            <a:bevelT w="63500" h="25400"/>
+          </a:sp3d>
+        </a:effectStyle>
+      </a:effectStyleLst>
+      <a:bgFillStyleLst>
+        <a:solidFill>
+          <a:schemeClr val="phClr"/>
+        </a:solidFill>
+        <a:gradFill rotWithShape="1">
+          <a:gsLst>
+            <a:gs pos="0">
+              <a:schemeClr val="phClr">
+                <a:tint val="40000"/>
+                <a:satMod val="350000"/>
+              </a:schemeClr>
+            </a:gs>
+            <a:gs pos="40000">
+              <a:schemeClr val="phClr">
+                <a:tint val="45000"/>
+                <a:shade val="99000"/>
+                <a:satMod val="350000"/>
+              </a:schemeClr>
+            </a:gs>
+            <a:gs pos="100000">
+              <a:schemeClr val="phClr">
+                <a:shade val="20000"/>
+                <a:satMod val="255000"/>
+              </a:schemeClr>
+            </a:gs>
+          </a:gsLst>
+          <a:path path="circle">
+            <a:fillToRect l="50000" t="-80000" r="50000" b="180000"/>
+          </a:path>
+        </a:gradFill>
+        <a:gradFill rotWithShape="1">
+          <a:gsLst>
+            <a:gs pos="0">
+              <a:schemeClr val="phClr">
+                <a:tint val="80000"/>
+                <a:satMod val="300000"/>
+              </a:schemeClr>
+            </a:gs>
+            <a:gs pos="100000">
+              <a:schemeClr val="phClr">
+                <a:shade val="30000"/>
+                <a:satMod val="200000"/>
+              </a:schemeClr>
+            </a:gs>
+          </a:gsLst>
+          <a:path path="circle">
+            <a:fillToRect l="50000" t="50000" r="50000" b="50000"/>
+          </a:path>
+        </a:gradFill>
+      </a:bgFillStyleLst>
+    </a:fmtScheme>
+  </a:themeElements>
+</a:theme>
+</file>
+
+<file path=ppt/theme/theme2.xml><?xml version="1.0" encoding="utf-8"?>
 <a:theme xmlns:a="http://schemas.openxmlformats.org/drawingml/2006/main" xmlns:r="http://schemas.openxmlformats.org/officeDocument/2006/relationships" name="Paperback">
   <a:themeElements>
     <a:clrScheme name="Paperback">
@@ -10078,283 +10466,4 @@
     </a:fmtScheme>
   </a:themeElements>
 </a:theme>
-</file>
-
-<file path=ppt/theme/theme2.xml><?xml version="1.0" encoding="utf-8"?>
-<a:theme xmlns:a="http://schemas.openxmlformats.org/drawingml/2006/main" xmlns:r="http://schemas.openxmlformats.org/officeDocument/2006/relationships">
-  <a:themeElements>
-    <a:clrScheme name="Default">
-      <a:dk1>
-        <a:srgbClr val="000000"/>
-      </a:dk1>
-      <a:lt1>
-        <a:srgbClr val="FFFFFF"/>
-      </a:lt1>
-      <a:dk2>
-        <a:srgbClr val="158158"/>
-      </a:dk2>
-      <a:lt2>
-        <a:srgbClr val="F3F3F3"/>
-      </a:lt2>
-      <a:accent1>
-        <a:srgbClr val="058DC7"/>
-      </a:accent1>
-      <a:accent2>
-        <a:srgbClr val="50B432"/>
-      </a:accent2>
-      <a:accent3>
-        <a:srgbClr val="ED561B"/>
-      </a:accent3>
-      <a:accent4>
-        <a:srgbClr val="EDEF00"/>
-      </a:accent4>
-      <a:accent5>
-        <a:srgbClr val="24CBE5"/>
-      </a:accent5>
-      <a:accent6>
-        <a:srgbClr val="64E572"/>
-      </a:accent6>
-      <a:hlink>
-        <a:srgbClr val="2200CC"/>
-      </a:hlink>
-      <a:folHlink>
-        <a:srgbClr val="551A8B"/>
-      </a:folHlink>
-    </a:clrScheme>
-    <a:fontScheme name="Office">
-      <a:majorFont>
-        <a:latin typeface="Arial"/>
-        <a:ea typeface=""/>
-        <a:cs typeface=""/>
-        <a:font script="Jpan" typeface="ＭＳ Ｐゴシック"/>
-        <a:font script="Hang" typeface="맑은 고딕"/>
-        <a:font script="Hans" typeface="宋体"/>
-        <a:font script="Hant" typeface="新細明體"/>
-        <a:font script="Arab" typeface="Times New Roman"/>
-        <a:font script="Hebr" typeface="Times New Roman"/>
-        <a:font script="Thai" typeface="Angsana New"/>
-        <a:font script="Ethi" typeface="Nyala"/>
-        <a:font script="Beng" typeface="Vrinda"/>
-        <a:font script="Gujr" typeface="Shruti"/>
-        <a:font script="Khmr" typeface="MoolBoran"/>
-        <a:font script="Knda" typeface="Tunga"/>
-        <a:font script="Guru" typeface="Raavi"/>
-        <a:font script="Cans" typeface="Euphemia"/>
-        <a:font script="Cher" typeface="Plantagenet Cherokee"/>
-        <a:font script="Yiii" typeface="Microsoft Yi Baiti"/>
-        <a:font script="Tibt" typeface="Microsoft Himalaya"/>
-        <a:font script="Thaa" typeface="MV Boli"/>
-        <a:font script="Deva" typeface="Mangal"/>
-        <a:font script="Telu" typeface="Gautami"/>
-        <a:font script="Taml" typeface="Latha"/>
-        <a:font script="Syrc" typeface="Estrangelo Edessa"/>
-        <a:font script="Orya" typeface="Kalinga"/>
-        <a:font script="Mlym" typeface="Kartika"/>
-        <a:font script="Laoo" typeface="DokChampa"/>
-        <a:font script="Sinh" typeface="Iskoola Pota"/>
-        <a:font script="Mong" typeface="Mongolian Baiti"/>
-        <a:font script="Viet" typeface="Times New Roman"/>
-        <a:font script="Uigh" typeface="Microsoft Uighur"/>
-        <a:font script="Geor" typeface="Sylfaen"/>
-      </a:majorFont>
-      <a:minorFont>
-        <a:latin typeface="Arial"/>
-        <a:ea typeface=""/>
-        <a:cs typeface=""/>
-        <a:font script="Jpan" typeface="ＭＳ Ｐゴシック"/>
-        <a:font script="Hang" typeface="맑은 고딕"/>
-        <a:font script="Hans" typeface="宋体"/>
-        <a:font script="Hant" typeface="新細明體"/>
-        <a:font script="Arab" typeface="Arial"/>
-        <a:font script="Hebr" typeface="Arial"/>
-        <a:font script="Thai" typeface="Cordia New"/>
-        <a:font script="Ethi" typeface="Nyala"/>
-        <a:font script="Beng" typeface="Vrinda"/>
-        <a:font script="Gujr" typeface="Shruti"/>
-        <a:font script="Khmr" typeface="DaunPenh"/>
-        <a:font script="Knda" typeface="Tunga"/>
-        <a:font script="Guru" typeface="Raavi"/>
-        <a:font script="Cans" typeface="Euphemia"/>
-        <a:font script="Cher" typeface="Plantagenet Cherokee"/>
-        <a:font script="Yiii" typeface="Microsoft Yi Baiti"/>
-        <a:font script="Tibt" typeface="Microsoft Himalaya"/>
-        <a:font script="Thaa" typeface="MV Boli"/>
-        <a:font script="Deva" typeface="Mangal"/>
-        <a:font script="Telu" typeface="Gautami"/>
-        <a:font script="Taml" typeface="Latha"/>
-        <a:font script="Syrc" typeface="Estrangelo Edessa"/>
-        <a:font script="Orya" typeface="Kalinga"/>
-        <a:font script="Mlym" typeface="Kartika"/>
-        <a:font script="Laoo" typeface="DokChampa"/>
-        <a:font script="Sinh" typeface="Iskoola Pota"/>
-        <a:font script="Mong" typeface="Mongolian Baiti"/>
-        <a:font script="Viet" typeface="Arial"/>
-        <a:font script="Uigh" typeface="Microsoft Uighur"/>
-        <a:font script="Geor" typeface="Sylfaen"/>
-      </a:minorFont>
-    </a:fontScheme>
-    <a:fmtScheme name="Office">
-      <a:fillStyleLst>
-        <a:solidFill>
-          <a:schemeClr val="phClr"/>
-        </a:solidFill>
-        <a:gradFill rotWithShape="1">
-          <a:gsLst>
-            <a:gs pos="0">
-              <a:schemeClr val="phClr">
-                <a:tint val="50000"/>
-                <a:satMod val="300000"/>
-              </a:schemeClr>
-            </a:gs>
-            <a:gs pos="35000">
-              <a:schemeClr val="phClr">
-                <a:tint val="37000"/>
-                <a:satMod val="300000"/>
-              </a:schemeClr>
-            </a:gs>
-            <a:gs pos="100000">
-              <a:schemeClr val="phClr">
-                <a:tint val="15000"/>
-                <a:satMod val="350000"/>
-              </a:schemeClr>
-            </a:gs>
-          </a:gsLst>
-          <a:lin ang="16200000" scaled="1"/>
-        </a:gradFill>
-        <a:gradFill rotWithShape="1">
-          <a:gsLst>
-            <a:gs pos="0">
-              <a:schemeClr val="phClr">
-                <a:tint val="100000"/>
-                <a:shade val="100000"/>
-                <a:satMod val="130000"/>
-              </a:schemeClr>
-            </a:gs>
-            <a:gs pos="100000">
-              <a:schemeClr val="phClr">
-                <a:tint val="50000"/>
-                <a:shade val="100000"/>
-                <a:satMod val="350000"/>
-              </a:schemeClr>
-            </a:gs>
-          </a:gsLst>
-          <a:lin ang="16200000" scaled="0"/>
-        </a:gradFill>
-      </a:fillStyleLst>
-      <a:lnStyleLst>
-        <a:ln w="9525" cap="flat" cmpd="sng" algn="ctr">
-          <a:solidFill>
-            <a:schemeClr val="phClr">
-              <a:shade val="95000"/>
-              <a:satMod val="105000"/>
-            </a:schemeClr>
-          </a:solidFill>
-          <a:prstDash val="solid"/>
-        </a:ln>
-        <a:ln w="25400" cap="flat" cmpd="sng" algn="ctr">
-          <a:solidFill>
-            <a:schemeClr val="phClr"/>
-          </a:solidFill>
-          <a:prstDash val="solid"/>
-        </a:ln>
-        <a:ln w="38100" cap="flat" cmpd="sng" algn="ctr">
-          <a:solidFill>
-            <a:schemeClr val="phClr"/>
-          </a:solidFill>
-          <a:prstDash val="solid"/>
-        </a:ln>
-      </a:lnStyleLst>
-      <a:effectStyleLst>
-        <a:effectStyle>
-          <a:effectLst>
-            <a:outerShdw blurRad="40000" dist="20000" dir="5400000" rotWithShape="0">
-              <a:srgbClr val="000000">
-                <a:alpha val="38000"/>
-              </a:srgbClr>
-            </a:outerShdw>
-          </a:effectLst>
-        </a:effectStyle>
-        <a:effectStyle>
-          <a:effectLst>
-            <a:outerShdw blurRad="40000" dist="23000" dir="5400000" rotWithShape="0">
-              <a:srgbClr val="000000">
-                <a:alpha val="35000"/>
-              </a:srgbClr>
-            </a:outerShdw>
-          </a:effectLst>
-        </a:effectStyle>
-        <a:effectStyle>
-          <a:effectLst>
-            <a:outerShdw blurRad="40000" dist="23000" dir="5400000" rotWithShape="0">
-              <a:srgbClr val="000000">
-                <a:alpha val="35000"/>
-              </a:srgbClr>
-            </a:outerShdw>
-          </a:effectLst>
-          <a:scene3d>
-            <a:camera prst="orthographicFront">
-              <a:rot lat="0" lon="0" rev="0"/>
-            </a:camera>
-            <a:lightRig rig="threePt" dir="t">
-              <a:rot lat="0" lon="0" rev="1200000"/>
-            </a:lightRig>
-          </a:scene3d>
-          <a:sp3d>
-            <a:bevelT w="63500" h="25400"/>
-          </a:sp3d>
-        </a:effectStyle>
-      </a:effectStyleLst>
-      <a:bgFillStyleLst>
-        <a:solidFill>
-          <a:schemeClr val="phClr"/>
-        </a:solidFill>
-        <a:gradFill rotWithShape="1">
-          <a:gsLst>
-            <a:gs pos="0">
-              <a:schemeClr val="phClr">
-                <a:tint val="40000"/>
-                <a:satMod val="350000"/>
-              </a:schemeClr>
-            </a:gs>
-            <a:gs pos="40000">
-              <a:schemeClr val="phClr">
-                <a:tint val="45000"/>
-                <a:shade val="99000"/>
-                <a:satMod val="350000"/>
-              </a:schemeClr>
-            </a:gs>
-            <a:gs pos="100000">
-              <a:schemeClr val="phClr">
-                <a:shade val="20000"/>
-                <a:satMod val="255000"/>
-              </a:schemeClr>
-            </a:gs>
-          </a:gsLst>
-          <a:path path="circle">
-            <a:fillToRect l="50000" t="-80000" r="50000" b="180000"/>
-          </a:path>
-        </a:gradFill>
-        <a:gradFill rotWithShape="1">
-          <a:gsLst>
-            <a:gs pos="0">
-              <a:schemeClr val="phClr">
-                <a:tint val="80000"/>
-                <a:satMod val="300000"/>
-              </a:schemeClr>
-            </a:gs>
-            <a:gs pos="100000">
-              <a:schemeClr val="phClr">
-                <a:shade val="30000"/>
-                <a:satMod val="200000"/>
-              </a:schemeClr>
-            </a:gs>
-          </a:gsLst>
-          <a:path path="circle">
-            <a:fillToRect l="50000" t="50000" r="50000" b="50000"/>
-          </a:path>
-        </a:gradFill>
-      </a:bgFillStyleLst>
-    </a:fmtScheme>
-  </a:themeElements>
-</a:theme>
 </file>
--- a/5122 Final Project Presentation.pptx
+++ b/5122 Final Project Presentation.pptx
@@ -1,6 +1,6 @@
 
 <file path=ppt/presentation.xml><?xml version="1.0" encoding="utf-8"?>
-<p:presentation xmlns:a="http://schemas.openxmlformats.org/drawingml/2006/main" xmlns:r="http://schemas.openxmlformats.org/officeDocument/2006/relationships" xmlns:mc="http://schemas.openxmlformats.org/markup-compatibility/2006" xmlns:mv="urn:schemas-microsoft-com:mac:vml" xmlns:p="http://schemas.openxmlformats.org/presentationml/2006/main" xmlns:c="http://schemas.openxmlformats.org/drawingml/2006/chart" xmlns:dgm="http://schemas.openxmlformats.org/drawingml/2006/diagram" xmlns:o="urn:schemas-microsoft-com:office:office" xmlns:v="urn:schemas-microsoft-com:vml" xmlns:pvml="urn:schemas-microsoft-com:office:powerpoint" xmlns:com="http://schemas.openxmlformats.org/drawingml/2006/compatibility" xmlns:p14="http://schemas.microsoft.com/office/powerpoint/2010/main" xmlns:p15="http://schemas.microsoft.com/office/powerpoint/2012/main" xmlns:ahyp="http://schemas.microsoft.com/office/drawing/2018/hyperlinkcolor" autoCompressPictures="0" strictFirstAndLastChars="0" saveSubsetFonts="1">
+<p:presentation xmlns:a="http://schemas.openxmlformats.org/drawingml/2006/main" xmlns:r="http://schemas.openxmlformats.org/officeDocument/2006/relationships" xmlns:mc="http://schemas.openxmlformats.org/markup-compatibility/2006" xmlns:mv="urn:schemas-microsoft-com:mac:vml" xmlns:p="http://schemas.openxmlformats.org/presentationml/2006/main" xmlns:c="http://schemas.openxmlformats.org/drawingml/2006/chart" xmlns:dgm="http://schemas.openxmlformats.org/drawingml/2006/diagram" xmlns:o="urn:schemas-microsoft-com:office:office" xmlns:v="urn:schemas-microsoft-com:vml" xmlns:pvml="urn:schemas-microsoft-com:office:powerpoint" xmlns:com="http://schemas.openxmlformats.org/drawingml/2006/compatibility" xmlns:p14="http://schemas.microsoft.com/office/powerpoint/2010/main" xmlns:p15="http://schemas.microsoft.com/office/powerpoint/2012/main" xmlns:ahyp="http://schemas.microsoft.com/office/drawing/2018/hyperlinkcolor" autoCompressPictures="0" embedTrueTypeFonts="1" strictFirstAndLastChars="0" saveSubsetFonts="1">
   <p:sldMasterIdLst>
     <p:sldMasterId id="2147483659" r:id="rId4"/>
   </p:sldMasterIdLst>
@@ -22,6 +22,14 @@
   </p:sldIdLst>
   <p:sldSz cy="5143500" cx="9144000"/>
   <p:notesSz cx="6858000" cy="9144000"/>
+  <p:embeddedFontLst>
+    <p:embeddedFont>
+      <p:font typeface="Old Standard TT"/>
+      <p:regular r:id="rId17"/>
+      <p:bold r:id="rId18"/>
+      <p:italic r:id="rId19"/>
+    </p:embeddedFont>
+  </p:embeddedFontLst>
   <p:defaultTextStyle>
     <a:defPPr lvl="0" marR="0" rtl="0" algn="l">
       <a:lnSpc>
@@ -9383,7 +9391,7 @@
         </p:nvSpPr>
         <p:spPr>
           <a:xfrm>
-            <a:off x="2060825" y="1333263"/>
+            <a:off x="2331150" y="2151075"/>
             <a:ext cx="4481700" cy="435900"/>
           </a:xfrm>
           <a:prstGeom prst="rect">
@@ -9406,22 +9414,21 @@
               <a:buNone/>
             </a:pPr>
             <a:r>
-              <a:rPr lang="en" u="sng">
-                <a:solidFill>
-                  <a:schemeClr val="hlink"/>
-                </a:solidFill>
-                <a:highlight>
-                  <a:srgbClr val="FFFFFF"/>
-                </a:highlight>
-                <a:latin typeface="Arial"/>
-                <a:ea typeface="Arial"/>
-                <a:cs typeface="Arial"/>
-                <a:sym typeface="Arial"/>
-                <a:hlinkClick r:id="rId3"/>
+              <a:rPr lang="en" sz="1400" u="sng">
+                <a:solidFill>
+                  <a:schemeClr val="dk2"/>
+                </a:solidFill>
+                <a:hlinkClick r:id="rId3">
+                  <a:extLst>
+                    <a:ext uri="{A12FA001-AC4F-418D-AE19-62706E023703}">
+                      <ahyp:hlinkClr val="tx"/>
+                    </a:ext>
+                  </a:extLst>
+                </a:hlinkClick>
               </a:rPr>
-              <a:t>https://ustcsteve.shinyapps.io/Great-Lakes-Fish-Stock/</a:t>
-            </a:r>
-            <a:endParaRPr sz="1400" u="sng">
+              <a:t>https://marolu21.shinyapps.io/GreatLakes_Stocked/</a:t>
+            </a:r>
+            <a:endParaRPr sz="1400">
               <a:solidFill>
                 <a:schemeClr val="dk2"/>
               </a:solidFill>
@@ -9452,7 +9459,7 @@
         </p:nvSpPr>
         <p:spPr>
           <a:xfrm>
-            <a:off x="3044300" y="1769163"/>
+            <a:off x="3586775" y="2571750"/>
             <a:ext cx="1785000" cy="369300"/>
           </a:xfrm>
           <a:prstGeom prst="rect">
@@ -9504,7 +9511,7 @@
         </p:nvSpPr>
         <p:spPr>
           <a:xfrm>
-            <a:off x="2060825" y="2763138"/>
+            <a:off x="2603300" y="3565725"/>
             <a:ext cx="5774700" cy="400200"/>
           </a:xfrm>
           <a:prstGeom prst="rect">
@@ -9560,7 +9567,7 @@
         </p:nvSpPr>
         <p:spPr>
           <a:xfrm>
-            <a:off x="3016350" y="3399988"/>
+            <a:off x="3751950" y="4212625"/>
             <a:ext cx="3060900" cy="400200"/>
           </a:xfrm>
           <a:prstGeom prst="rect">
@@ -9911,6 +9918,285 @@
 </file>
 
 <file path=ppt/theme/theme1.xml><?xml version="1.0" encoding="utf-8"?>
+<a:theme xmlns:a="http://schemas.openxmlformats.org/drawingml/2006/main" xmlns:r="http://schemas.openxmlformats.org/officeDocument/2006/relationships" name="Paperback">
+  <a:themeElements>
+    <a:clrScheme name="Paperback">
+      <a:dk1>
+        <a:srgbClr val="000000"/>
+      </a:dk1>
+      <a:lt1>
+        <a:srgbClr val="FFFFFF"/>
+      </a:lt1>
+      <a:dk2>
+        <a:srgbClr val="00695C"/>
+      </a:dk2>
+      <a:lt2>
+        <a:srgbClr val="26A69A"/>
+      </a:lt2>
+      <a:accent1>
+        <a:srgbClr val="FFFBF0"/>
+      </a:accent1>
+      <a:accent2>
+        <a:srgbClr val="B7B7B7"/>
+      </a:accent2>
+      <a:accent3>
+        <a:srgbClr val="FB8C00"/>
+      </a:accent3>
+      <a:accent4>
+        <a:srgbClr val="80CBC4"/>
+      </a:accent4>
+      <a:accent5>
+        <a:srgbClr val="AF4345"/>
+      </a:accent5>
+      <a:accent6>
+        <a:srgbClr val="F58F8F"/>
+      </a:accent6>
+      <a:hlink>
+        <a:srgbClr val="AF4345"/>
+      </a:hlink>
+      <a:folHlink>
+        <a:srgbClr val="AF4345"/>
+      </a:folHlink>
+    </a:clrScheme>
+    <a:fontScheme name="Office">
+      <a:majorFont>
+        <a:latin typeface="Arial"/>
+        <a:ea typeface=""/>
+        <a:cs typeface=""/>
+        <a:font script="Jpan" typeface="ＭＳ Ｐゴシック"/>
+        <a:font script="Hang" typeface="맑은 고딕"/>
+        <a:font script="Hans" typeface="宋体"/>
+        <a:font script="Hant" typeface="新細明體"/>
+        <a:font script="Arab" typeface="Times New Roman"/>
+        <a:font script="Hebr" typeface="Times New Roman"/>
+        <a:font script="Thai" typeface="Angsana New"/>
+        <a:font script="Ethi" typeface="Nyala"/>
+        <a:font script="Beng" typeface="Vrinda"/>
+        <a:font script="Gujr" typeface="Shruti"/>
+        <a:font script="Khmr" typeface="MoolBoran"/>
+        <a:font script="Knda" typeface="Tunga"/>
+        <a:font script="Guru" typeface="Raavi"/>
+        <a:font script="Cans" typeface="Euphemia"/>
+        <a:font script="Cher" typeface="Plantagenet Cherokee"/>
+        <a:font script="Yiii" typeface="Microsoft Yi Baiti"/>
+        <a:font script="Tibt" typeface="Microsoft Himalaya"/>
+        <a:font script="Thaa" typeface="MV Boli"/>
+        <a:font script="Deva" typeface="Mangal"/>
+        <a:font script="Telu" typeface="Gautami"/>
+        <a:font script="Taml" typeface="Latha"/>
+        <a:font script="Syrc" typeface="Estrangelo Edessa"/>
+        <a:font script="Orya" typeface="Kalinga"/>
+        <a:font script="Mlym" typeface="Kartika"/>
+        <a:font script="Laoo" typeface="DokChampa"/>
+        <a:font script="Sinh" typeface="Iskoola Pota"/>
+        <a:font script="Mong" typeface="Mongolian Baiti"/>
+        <a:font script="Viet" typeface="Times New Roman"/>
+        <a:font script="Uigh" typeface="Microsoft Uighur"/>
+        <a:font script="Geor" typeface="Sylfaen"/>
+      </a:majorFont>
+      <a:minorFont>
+        <a:latin typeface="Arial"/>
+        <a:ea typeface=""/>
+        <a:cs typeface=""/>
+        <a:font script="Jpan" typeface="ＭＳ Ｐゴシック"/>
+        <a:font script="Hang" typeface="맑은 고딕"/>
+        <a:font script="Hans" typeface="宋体"/>
+        <a:font script="Hant" typeface="新細明體"/>
+        <a:font script="Arab" typeface="Arial"/>
+        <a:font script="Hebr" typeface="Arial"/>
+        <a:font script="Thai" typeface="Cordia New"/>
+        <a:font script="Ethi" typeface="Nyala"/>
+        <a:font script="Beng" typeface="Vrinda"/>
+        <a:font script="Gujr" typeface="Shruti"/>
+        <a:font script="Khmr" typeface="DaunPenh"/>
+        <a:font script="Knda" typeface="Tunga"/>
+        <a:font script="Guru" typeface="Raavi"/>
+        <a:font script="Cans" typeface="Euphemia"/>
+        <a:font script="Cher" typeface="Plantagenet Cherokee"/>
+        <a:font script="Yiii" typeface="Microsoft Yi Baiti"/>
+        <a:font script="Tibt" typeface="Microsoft Himalaya"/>
+        <a:font script="Thaa" typeface="MV Boli"/>
+        <a:font script="Deva" typeface="Mangal"/>
+        <a:font script="Telu" typeface="Gautami"/>
+        <a:font script="Taml" typeface="Latha"/>
+        <a:font script="Syrc" typeface="Estrangelo Edessa"/>
+        <a:font script="Orya" typeface="Kalinga"/>
+        <a:font script="Mlym" typeface="Kartika"/>
+        <a:font script="Laoo" typeface="DokChampa"/>
+        <a:font script="Sinh" typeface="Iskoola Pota"/>
+        <a:font script="Mong" typeface="Mongolian Baiti"/>
+        <a:font script="Viet" typeface="Arial"/>
+        <a:font script="Uigh" typeface="Microsoft Uighur"/>
+        <a:font script="Geor" typeface="Sylfaen"/>
+      </a:minorFont>
+    </a:fontScheme>
+    <a:fmtScheme name="Office">
+      <a:fillStyleLst>
+        <a:solidFill>
+          <a:schemeClr val="phClr"/>
+        </a:solidFill>
+        <a:gradFill rotWithShape="1">
+          <a:gsLst>
+            <a:gs pos="0">
+              <a:schemeClr val="phClr">
+                <a:tint val="50000"/>
+                <a:satMod val="300000"/>
+              </a:schemeClr>
+            </a:gs>
+            <a:gs pos="35000">
+              <a:schemeClr val="phClr">
+                <a:tint val="37000"/>
+                <a:satMod val="300000"/>
+              </a:schemeClr>
+            </a:gs>
+            <a:gs pos="100000">
+              <a:schemeClr val="phClr">
+                <a:tint val="15000"/>
+                <a:satMod val="350000"/>
+              </a:schemeClr>
+            </a:gs>
+          </a:gsLst>
+          <a:lin ang="16200000" scaled="1"/>
+        </a:gradFill>
+        <a:gradFill rotWithShape="1">
+          <a:gsLst>
+            <a:gs pos="0">
+              <a:schemeClr val="phClr">
+                <a:tint val="100000"/>
+                <a:shade val="100000"/>
+                <a:satMod val="130000"/>
+              </a:schemeClr>
+            </a:gs>
+            <a:gs pos="100000">
+              <a:schemeClr val="phClr">
+                <a:tint val="50000"/>
+                <a:shade val="100000"/>
+                <a:satMod val="350000"/>
+              </a:schemeClr>
+            </a:gs>
+          </a:gsLst>
+          <a:lin ang="16200000" scaled="0"/>
+        </a:gradFill>
+      </a:fillStyleLst>
+      <a:lnStyleLst>
+        <a:ln w="9525" cap="flat" cmpd="sng" algn="ctr">
+          <a:solidFill>
+            <a:schemeClr val="phClr">
+              <a:shade val="95000"/>
+              <a:satMod val="105000"/>
+            </a:schemeClr>
+          </a:solidFill>
+          <a:prstDash val="solid"/>
+        </a:ln>
+        <a:ln w="25400" cap="flat" cmpd="sng" algn="ctr">
+          <a:solidFill>
+            <a:schemeClr val="phClr"/>
+          </a:solidFill>
+          <a:prstDash val="solid"/>
+        </a:ln>
+        <a:ln w="38100" cap="flat" cmpd="sng" algn="ctr">
+          <a:solidFill>
+            <a:schemeClr val="phClr"/>
+          </a:solidFill>
+          <a:prstDash val="solid"/>
+        </a:ln>
+      </a:lnStyleLst>
+      <a:effectStyleLst>
+        <a:effectStyle>
+          <a:effectLst>
+            <a:outerShdw blurRad="40000" dist="20000" dir="5400000" rotWithShape="0">
+              <a:srgbClr val="000000">
+                <a:alpha val="38000"/>
+              </a:srgbClr>
+            </a:outerShdw>
+          </a:effectLst>
+        </a:effectStyle>
+        <a:effectStyle>
+          <a:effectLst>
+            <a:outerShdw blurRad="40000" dist="23000" dir="5400000" rotWithShape="0">
+              <a:srgbClr val="000000">
+                <a:alpha val="35000"/>
+              </a:srgbClr>
+            </a:outerShdw>
+          </a:effectLst>
+        </a:effectStyle>
+        <a:effectStyle>
+          <a:effectLst>
+            <a:outerShdw blurRad="40000" dist="23000" dir="5400000" rotWithShape="0">
+              <a:srgbClr val="000000">
+                <a:alpha val="35000"/>
+              </a:srgbClr>
+            </a:outerShdw>
+          </a:effectLst>
+          <a:scene3d>
+            <a:camera prst="orthographicFront">
+              <a:rot lat="0" lon="0" rev="0"/>
+            </a:camera>
+            <a:lightRig rig="threePt" dir="t">
+              <a:rot lat="0" lon="0" rev="1200000"/>
+            </a:lightRig>
+          </a:scene3d>
+          <a:sp3d>
+            <a:bevelT w="63500" h="25400"/>
+          </a:sp3d>
+        </a:effectStyle>
+      </a:effectStyleLst>
+      <a:bgFillStyleLst>
+        <a:solidFill>
+          <a:schemeClr val="phClr"/>
+        </a:solidFill>
+        <a:gradFill rotWithShape="1">
+          <a:gsLst>
+            <a:gs pos="0">
+              <a:schemeClr val="phClr">
+                <a:tint val="40000"/>
+                <a:satMod val="350000"/>
+              </a:schemeClr>
+            </a:gs>
+            <a:gs pos="40000">
+              <a:schemeClr val="phClr">
+                <a:tint val="45000"/>
+                <a:shade val="99000"/>
+                <a:satMod val="350000"/>
+              </a:schemeClr>
+            </a:gs>
+            <a:gs pos="100000">
+              <a:schemeClr val="phClr">
+                <a:shade val="20000"/>
+                <a:satMod val="255000"/>
+              </a:schemeClr>
+            </a:gs>
+          </a:gsLst>
+          <a:path path="circle">
+            <a:fillToRect l="50000" t="-80000" r="50000" b="180000"/>
+          </a:path>
+        </a:gradFill>
+        <a:gradFill rotWithShape="1">
+          <a:gsLst>
+            <a:gs pos="0">
+              <a:schemeClr val="phClr">
+                <a:tint val="80000"/>
+                <a:satMod val="300000"/>
+              </a:schemeClr>
+            </a:gs>
+            <a:gs pos="100000">
+              <a:schemeClr val="phClr">
+                <a:shade val="30000"/>
+                <a:satMod val="200000"/>
+              </a:schemeClr>
+            </a:gs>
+          </a:gsLst>
+          <a:path path="circle">
+            <a:fillToRect l="50000" t="50000" r="50000" b="50000"/>
+          </a:path>
+        </a:gradFill>
+      </a:bgFillStyleLst>
+    </a:fmtScheme>
+  </a:themeElements>
+</a:theme>
+</file>
+
+<file path=ppt/theme/theme2.xml><?xml version="1.0" encoding="utf-8"?>
 <a:theme xmlns:a="http://schemas.openxmlformats.org/drawingml/2006/main" xmlns:r="http://schemas.openxmlformats.org/officeDocument/2006/relationships">
   <a:themeElements>
     <a:clrScheme name="Default">
@@ -10187,283 +10473,4 @@
     </a:fmtScheme>
   </a:themeElements>
 </a:theme>
-</file>
-
-<file path=ppt/theme/theme2.xml><?xml version="1.0" encoding="utf-8"?>
-<a:theme xmlns:a="http://schemas.openxmlformats.org/drawingml/2006/main" xmlns:r="http://schemas.openxmlformats.org/officeDocument/2006/relationships" name="Paperback">
-  <a:themeElements>
-    <a:clrScheme name="Paperback">
-      <a:dk1>
-        <a:srgbClr val="000000"/>
-      </a:dk1>
-      <a:lt1>
-        <a:srgbClr val="FFFFFF"/>
-      </a:lt1>
-      <a:dk2>
-        <a:srgbClr val="00695C"/>
-      </a:dk2>
-      <a:lt2>
-        <a:srgbClr val="26A69A"/>
-      </a:lt2>
-      <a:accent1>
-        <a:srgbClr val="FFFBF0"/>
-      </a:accent1>
-      <a:accent2>
-        <a:srgbClr val="B7B7B7"/>
-      </a:accent2>
-      <a:accent3>
-        <a:srgbClr val="FB8C00"/>
-      </a:accent3>
-      <a:accent4>
-        <a:srgbClr val="80CBC4"/>
-      </a:accent4>
-      <a:accent5>
-        <a:srgbClr val="AF4345"/>
-      </a:accent5>
-      <a:accent6>
-        <a:srgbClr val="F58F8F"/>
-      </a:accent6>
-      <a:hlink>
-        <a:srgbClr val="AF4345"/>
-      </a:hlink>
-      <a:folHlink>
-        <a:srgbClr val="AF4345"/>
-      </a:folHlink>
-    </a:clrScheme>
-    <a:fontScheme name="Office">
-      <a:majorFont>
-        <a:latin typeface="Arial"/>
-        <a:ea typeface=""/>
-        <a:cs typeface=""/>
-        <a:font script="Jpan" typeface="ＭＳ Ｐゴシック"/>
-        <a:font script="Hang" typeface="맑은 고딕"/>
-        <a:font script="Hans" typeface="宋体"/>
-        <a:font script="Hant" typeface="新細明體"/>
-        <a:font script="Arab" typeface="Times New Roman"/>
-        <a:font script="Hebr" typeface="Times New Roman"/>
-        <a:font script="Thai" typeface="Angsana New"/>
-        <a:font script="Ethi" typeface="Nyala"/>
-        <a:font script="Beng" typeface="Vrinda"/>
-        <a:font script="Gujr" typeface="Shruti"/>
-        <a:font script="Khmr" typeface="MoolBoran"/>
-        <a:font script="Knda" typeface="Tunga"/>
-        <a:font script="Guru" typeface="Raavi"/>
-        <a:font script="Cans" typeface="Euphemia"/>
-        <a:font script="Cher" typeface="Plantagenet Cherokee"/>
-        <a:font script="Yiii" typeface="Microsoft Yi Baiti"/>
-        <a:font script="Tibt" typeface="Microsoft Himalaya"/>
-        <a:font script="Thaa" typeface="MV Boli"/>
-        <a:font script="Deva" typeface="Mangal"/>
-        <a:font script="Telu" typeface="Gautami"/>
-        <a:font script="Taml" typeface="Latha"/>
-        <a:font script="Syrc" typeface="Estrangelo Edessa"/>
-        <a:font script="Orya" typeface="Kalinga"/>
-        <a:font script="Mlym" typeface="Kartika"/>
-        <a:font script="Laoo" typeface="DokChampa"/>
-        <a:font script="Sinh" typeface="Iskoola Pota"/>
-        <a:font script="Mong" typeface="Mongolian Baiti"/>
-        <a:font script="Viet" typeface="Times New Roman"/>
-        <a:font script="Uigh" typeface="Microsoft Uighur"/>
-        <a:font script="Geor" typeface="Sylfaen"/>
-      </a:majorFont>
-      <a:minorFont>
-        <a:latin typeface="Arial"/>
-        <a:ea typeface=""/>
-        <a:cs typeface=""/>
-        <a:font script="Jpan" typeface="ＭＳ Ｐゴシック"/>
-        <a:font script="Hang" typeface="맑은 고딕"/>
-        <a:font script="Hans" typeface="宋体"/>
-        <a:font script="Hant" typeface="新細明體"/>
-        <a:font script="Arab" typeface="Arial"/>
-        <a:font script="Hebr" typeface="Arial"/>
-        <a:font script="Thai" typeface="Cordia New"/>
-        <a:font script="Ethi" typeface="Nyala"/>
-        <a:font script="Beng" typeface="Vrinda"/>
-        <a:font script="Gujr" typeface="Shruti"/>
-        <a:font script="Khmr" typeface="DaunPenh"/>
-        <a:font script="Knda" typeface="Tunga"/>
-        <a:font script="Guru" typeface="Raavi"/>
-        <a:font script="Cans" typeface="Euphemia"/>
-        <a:font script="Cher" typeface="Plantagenet Cherokee"/>
-        <a:font script="Yiii" typeface="Microsoft Yi Baiti"/>
-        <a:font script="Tibt" typeface="Microsoft Himalaya"/>
-        <a:font script="Thaa" typeface="MV Boli"/>
-        <a:font script="Deva" typeface="Mangal"/>
-        <a:font script="Telu" typeface="Gautami"/>
-        <a:font script="Taml" typeface="Latha"/>
-        <a:font script="Syrc" typeface="Estrangelo Edessa"/>
-        <a:font script="Orya" typeface="Kalinga"/>
-        <a:font script="Mlym" typeface="Kartika"/>
-        <a:font script="Laoo" typeface="DokChampa"/>
-        <a:font script="Sinh" typeface="Iskoola Pota"/>
-        <a:font script="Mong" typeface="Mongolian Baiti"/>
-        <a:font script="Viet" typeface="Arial"/>
-        <a:font script="Uigh" typeface="Microsoft Uighur"/>
-        <a:font script="Geor" typeface="Sylfaen"/>
-      </a:minorFont>
-    </a:fontScheme>
-    <a:fmtScheme name="Office">
-      <a:fillStyleLst>
-        <a:solidFill>
-          <a:schemeClr val="phClr"/>
-        </a:solidFill>
-        <a:gradFill rotWithShape="1">
-          <a:gsLst>
-            <a:gs pos="0">
-              <a:schemeClr val="phClr">
-                <a:tint val="50000"/>
-                <a:satMod val="300000"/>
-              </a:schemeClr>
-            </a:gs>
-            <a:gs pos="35000">
-              <a:schemeClr val="phClr">
-                <a:tint val="37000"/>
-                <a:satMod val="300000"/>
-              </a:schemeClr>
-            </a:gs>
-            <a:gs pos="100000">
-              <a:schemeClr val="phClr">
-                <a:tint val="15000"/>
-                <a:satMod val="350000"/>
-              </a:schemeClr>
-            </a:gs>
-          </a:gsLst>
-          <a:lin ang="16200000" scaled="1"/>
-        </a:gradFill>
-        <a:gradFill rotWithShape="1">
-          <a:gsLst>
-            <a:gs pos="0">
-              <a:schemeClr val="phClr">
-                <a:tint val="100000"/>
-                <a:shade val="100000"/>
-                <a:satMod val="130000"/>
-              </a:schemeClr>
-            </a:gs>
-            <a:gs pos="100000">
-              <a:schemeClr val="phClr">
-                <a:tint val="50000"/>
-                <a:shade val="100000"/>
-                <a:satMod val="350000"/>
-              </a:schemeClr>
-            </a:gs>
-          </a:gsLst>
-          <a:lin ang="16200000" scaled="0"/>
-        </a:gradFill>
-      </a:fillStyleLst>
-      <a:lnStyleLst>
-        <a:ln w="9525" cap="flat" cmpd="sng" algn="ctr">
-          <a:solidFill>
-            <a:schemeClr val="phClr">
-              <a:shade val="95000"/>
-              <a:satMod val="105000"/>
-            </a:schemeClr>
-          </a:solidFill>
-          <a:prstDash val="solid"/>
-        </a:ln>
-        <a:ln w="25400" cap="flat" cmpd="sng" algn="ctr">
-          <a:solidFill>
-            <a:schemeClr val="phClr"/>
-          </a:solidFill>
-          <a:prstDash val="solid"/>
-        </a:ln>
-        <a:ln w="38100" cap="flat" cmpd="sng" algn="ctr">
-          <a:solidFill>
-            <a:schemeClr val="phClr"/>
-          </a:solidFill>
-          <a:prstDash val="solid"/>
-        </a:ln>
-      </a:lnStyleLst>
-      <a:effectStyleLst>
-        <a:effectStyle>
-          <a:effectLst>
-            <a:outerShdw blurRad="40000" dist="20000" dir="5400000" rotWithShape="0">
-              <a:srgbClr val="000000">
-                <a:alpha val="38000"/>
-              </a:srgbClr>
-            </a:outerShdw>
-          </a:effectLst>
-        </a:effectStyle>
-        <a:effectStyle>
-          <a:effectLst>
-            <a:outerShdw blurRad="40000" dist="23000" dir="5400000" rotWithShape="0">
-              <a:srgbClr val="000000">
-                <a:alpha val="35000"/>
-              </a:srgbClr>
-            </a:outerShdw>
-          </a:effectLst>
-        </a:effectStyle>
-        <a:effectStyle>
-          <a:effectLst>
-            <a:outerShdw blurRad="40000" dist="23000" dir="5400000" rotWithShape="0">
-              <a:srgbClr val="000000">
-                <a:alpha val="35000"/>
-              </a:srgbClr>
-            </a:outerShdw>
-          </a:effectLst>
-          <a:scene3d>
-            <a:camera prst="orthographicFront">
-              <a:rot lat="0" lon="0" rev="0"/>
-            </a:camera>
-            <a:lightRig rig="threePt" dir="t">
-              <a:rot lat="0" lon="0" rev="1200000"/>
-            </a:lightRig>
-          </a:scene3d>
-          <a:sp3d>
-            <a:bevelT w="63500" h="25400"/>
-          </a:sp3d>
-        </a:effectStyle>
-      </a:effectStyleLst>
-      <a:bgFillStyleLst>
-        <a:solidFill>
-          <a:schemeClr val="phClr"/>
-        </a:solidFill>
-        <a:gradFill rotWithShape="1">
-          <a:gsLst>
-            <a:gs pos="0">
-              <a:schemeClr val="phClr">
-                <a:tint val="40000"/>
-                <a:satMod val="350000"/>
-              </a:schemeClr>
-            </a:gs>
-            <a:gs pos="40000">
-              <a:schemeClr val="phClr">
-                <a:tint val="45000"/>
-                <a:shade val="99000"/>
-                <a:satMod val="350000"/>
-              </a:schemeClr>
-            </a:gs>
-            <a:gs pos="100000">
-              <a:schemeClr val="phClr">
-                <a:shade val="20000"/>
-                <a:satMod val="255000"/>
-              </a:schemeClr>
-            </a:gs>
-          </a:gsLst>
-          <a:path path="circle">
-            <a:fillToRect l="50000" t="-80000" r="50000" b="180000"/>
-          </a:path>
-        </a:gradFill>
-        <a:gradFill rotWithShape="1">
-          <a:gsLst>
-            <a:gs pos="0">
-              <a:schemeClr val="phClr">
-                <a:tint val="80000"/>
-                <a:satMod val="300000"/>
-              </a:schemeClr>
-            </a:gs>
-            <a:gs pos="100000">
-              <a:schemeClr val="phClr">
-                <a:shade val="30000"/>
-                <a:satMod val="200000"/>
-              </a:schemeClr>
-            </a:gs>
-          </a:gsLst>
-          <a:path path="circle">
-            <a:fillToRect l="50000" t="50000" r="50000" b="50000"/>
-          </a:path>
-        </a:gradFill>
-      </a:bgFillStyleLst>
-    </a:fmtScheme>
-  </a:themeElements>
-</a:theme>
 </file>